--- a/code/simulations/sim1Viz_nets.pptx
+++ b/code/simulations/sim1Viz_nets.pptx
@@ -4,6 +4,9 @@
   <p:sldMasterIdLst>
     <p:sldMasterId id="2147483648" r:id="rId1"/>
   </p:sldMasterIdLst>
+  <p:notesMasterIdLst>
+    <p:notesMasterId r:id="rId3"/>
+  </p:notesMasterIdLst>
   <p:sldIdLst>
     <p:sldId id="256" r:id="rId2"/>
   </p:sldIdLst>
@@ -104,7 +107,445 @@
       </a:defRPr>
     </a:lvl9pPr>
   </p:defaultTextStyle>
+  <p:extLst>
+    <p:ext uri="{EFAFB233-063F-42B5-8137-9DF3F51BA10A}">
+      <p15:sldGuideLst xmlns:p15="http://schemas.microsoft.com/office/powerpoint/2012/main"/>
+    </p:ext>
+  </p:extLst>
 </p:presentation>
+</file>
+
+<file path=ppt/notesMasters/notesMaster1.xml><?xml version="1.0" encoding="utf-8"?>
+<p:notesMaster xmlns:a="http://schemas.openxmlformats.org/drawingml/2006/main" xmlns:r="http://schemas.openxmlformats.org/officeDocument/2006/relationships" xmlns:p="http://schemas.openxmlformats.org/presentationml/2006/main">
+  <p:cSld>
+    <p:bg>
+      <p:bgRef idx="1001">
+        <a:schemeClr val="bg1"/>
+      </p:bgRef>
+    </p:bg>
+    <p:spTree>
+      <p:nvGrpSpPr>
+        <p:cNvPr id="1" name=""/>
+        <p:cNvGrpSpPr/>
+        <p:nvPr/>
+      </p:nvGrpSpPr>
+      <p:grpSpPr>
+        <a:xfrm>
+          <a:off x="0" y="0"/>
+          <a:ext cx="0" cy="0"/>
+          <a:chOff x="0" y="0"/>
+          <a:chExt cx="0" cy="0"/>
+        </a:xfrm>
+      </p:grpSpPr>
+      <p:sp>
+        <p:nvSpPr>
+          <p:cNvPr id="2" name="Header Placeholder 1"/>
+          <p:cNvSpPr>
+            <a:spLocks noGrp="1"/>
+          </p:cNvSpPr>
+          <p:nvPr>
+            <p:ph type="hdr" sz="quarter"/>
+          </p:nvPr>
+        </p:nvSpPr>
+        <p:spPr>
+          <a:xfrm>
+            <a:off x="0" y="0"/>
+            <a:ext cx="2971800" cy="458788"/>
+          </a:xfrm>
+          <a:prstGeom prst="rect">
+            <a:avLst/>
+          </a:prstGeom>
+        </p:spPr>
+        <p:txBody>
+          <a:bodyPr vert="horz" lIns="91440" tIns="45720" rIns="91440" bIns="45720" rtlCol="0"/>
+          <a:lstStyle>
+            <a:lvl1pPr algn="l">
+              <a:defRPr sz="1200"/>
+            </a:lvl1pPr>
+          </a:lstStyle>
+          <a:p>
+            <a:endParaRPr lang="en-US"/>
+          </a:p>
+        </p:txBody>
+      </p:sp>
+      <p:sp>
+        <p:nvSpPr>
+          <p:cNvPr id="3" name="Date Placeholder 2"/>
+          <p:cNvSpPr>
+            <a:spLocks noGrp="1"/>
+          </p:cNvSpPr>
+          <p:nvPr>
+            <p:ph type="dt" idx="1"/>
+          </p:nvPr>
+        </p:nvSpPr>
+        <p:spPr>
+          <a:xfrm>
+            <a:off x="3884613" y="0"/>
+            <a:ext cx="2971800" cy="458788"/>
+          </a:xfrm>
+          <a:prstGeom prst="rect">
+            <a:avLst/>
+          </a:prstGeom>
+        </p:spPr>
+        <p:txBody>
+          <a:bodyPr vert="horz" lIns="91440" tIns="45720" rIns="91440" bIns="45720" rtlCol="0"/>
+          <a:lstStyle>
+            <a:lvl1pPr algn="r">
+              <a:defRPr sz="1200"/>
+            </a:lvl1pPr>
+          </a:lstStyle>
+          <a:p>
+            <a:fld id="{3C638439-FCC3-3146-BD6A-2AE5FF3FFFC5}" type="datetimeFigureOut">
+              <a:rPr lang="en-US" smtClean="0"/>
+              <a:t>6/20/18</a:t>
+            </a:fld>
+            <a:endParaRPr lang="en-US"/>
+          </a:p>
+        </p:txBody>
+      </p:sp>
+      <p:sp>
+        <p:nvSpPr>
+          <p:cNvPr id="4" name="Slide Image Placeholder 3"/>
+          <p:cNvSpPr>
+            <a:spLocks noGrp="1" noRot="1" noChangeAspect="1"/>
+          </p:cNvSpPr>
+          <p:nvPr>
+            <p:ph type="sldImg" idx="2"/>
+          </p:nvPr>
+        </p:nvSpPr>
+        <p:spPr>
+          <a:xfrm>
+            <a:off x="685800" y="1143000"/>
+            <a:ext cx="5486400" cy="3086100"/>
+          </a:xfrm>
+          <a:prstGeom prst="rect">
+            <a:avLst/>
+          </a:prstGeom>
+          <a:noFill/>
+          <a:ln w="12700">
+            <a:solidFill>
+              <a:prstClr val="black"/>
+            </a:solidFill>
+          </a:ln>
+        </p:spPr>
+        <p:txBody>
+          <a:bodyPr vert="horz" lIns="91440" tIns="45720" rIns="91440" bIns="45720" rtlCol="0" anchor="ctr"/>
+          <a:lstStyle/>
+          <a:p>
+            <a:endParaRPr lang="en-US"/>
+          </a:p>
+        </p:txBody>
+      </p:sp>
+      <p:sp>
+        <p:nvSpPr>
+          <p:cNvPr id="5" name="Notes Placeholder 4"/>
+          <p:cNvSpPr>
+            <a:spLocks noGrp="1"/>
+          </p:cNvSpPr>
+          <p:nvPr>
+            <p:ph type="body" sz="quarter" idx="3"/>
+          </p:nvPr>
+        </p:nvSpPr>
+        <p:spPr>
+          <a:xfrm>
+            <a:off x="685800" y="4400550"/>
+            <a:ext cx="5486400" cy="3600450"/>
+          </a:xfrm>
+          <a:prstGeom prst="rect">
+            <a:avLst/>
+          </a:prstGeom>
+        </p:spPr>
+        <p:txBody>
+          <a:bodyPr vert="horz" lIns="91440" tIns="45720" rIns="91440" bIns="45720" rtlCol="0"/>
+          <a:lstStyle/>
+          <a:p>
+            <a:pPr lvl="0"/>
+            <a:r>
+              <a:rPr lang="en-US"/>
+              <a:t>Edit Master text styles</a:t>
+            </a:r>
+          </a:p>
+          <a:p>
+            <a:pPr lvl="1"/>
+            <a:r>
+              <a:rPr lang="en-US"/>
+              <a:t>Second level</a:t>
+            </a:r>
+          </a:p>
+          <a:p>
+            <a:pPr lvl="2"/>
+            <a:r>
+              <a:rPr lang="en-US"/>
+              <a:t>Third level</a:t>
+            </a:r>
+          </a:p>
+          <a:p>
+            <a:pPr lvl="3"/>
+            <a:r>
+              <a:rPr lang="en-US"/>
+              <a:t>Fourth level</a:t>
+            </a:r>
+          </a:p>
+          <a:p>
+            <a:pPr lvl="4"/>
+            <a:r>
+              <a:rPr lang="en-US"/>
+              <a:t>Fifth level</a:t>
+            </a:r>
+          </a:p>
+        </p:txBody>
+      </p:sp>
+      <p:sp>
+        <p:nvSpPr>
+          <p:cNvPr id="6" name="Footer Placeholder 5"/>
+          <p:cNvSpPr>
+            <a:spLocks noGrp="1"/>
+          </p:cNvSpPr>
+          <p:nvPr>
+            <p:ph type="ftr" sz="quarter" idx="4"/>
+          </p:nvPr>
+        </p:nvSpPr>
+        <p:spPr>
+          <a:xfrm>
+            <a:off x="0" y="8685213"/>
+            <a:ext cx="2971800" cy="458787"/>
+          </a:xfrm>
+          <a:prstGeom prst="rect">
+            <a:avLst/>
+          </a:prstGeom>
+        </p:spPr>
+        <p:txBody>
+          <a:bodyPr vert="horz" lIns="91440" tIns="45720" rIns="91440" bIns="45720" rtlCol="0" anchor="b"/>
+          <a:lstStyle>
+            <a:lvl1pPr algn="l">
+              <a:defRPr sz="1200"/>
+            </a:lvl1pPr>
+          </a:lstStyle>
+          <a:p>
+            <a:endParaRPr lang="en-US"/>
+          </a:p>
+        </p:txBody>
+      </p:sp>
+      <p:sp>
+        <p:nvSpPr>
+          <p:cNvPr id="7" name="Slide Number Placeholder 6"/>
+          <p:cNvSpPr>
+            <a:spLocks noGrp="1"/>
+          </p:cNvSpPr>
+          <p:nvPr>
+            <p:ph type="sldNum" sz="quarter" idx="5"/>
+          </p:nvPr>
+        </p:nvSpPr>
+        <p:spPr>
+          <a:xfrm>
+            <a:off x="3884613" y="8685213"/>
+            <a:ext cx="2971800" cy="458787"/>
+          </a:xfrm>
+          <a:prstGeom prst="rect">
+            <a:avLst/>
+          </a:prstGeom>
+        </p:spPr>
+        <p:txBody>
+          <a:bodyPr vert="horz" lIns="91440" tIns="45720" rIns="91440" bIns="45720" rtlCol="0" anchor="b"/>
+          <a:lstStyle>
+            <a:lvl1pPr algn="r">
+              <a:defRPr sz="1200"/>
+            </a:lvl1pPr>
+          </a:lstStyle>
+          <a:p>
+            <a:fld id="{316FB992-954A-F647-8EEE-FA5AA037B2B4}" type="slidenum">
+              <a:rPr lang="en-US" smtClean="0"/>
+              <a:t>‹#›</a:t>
+            </a:fld>
+            <a:endParaRPr lang="en-US"/>
+          </a:p>
+        </p:txBody>
+      </p:sp>
+    </p:spTree>
+    <p:extLst>
+      <p:ext uri="{BB962C8B-B14F-4D97-AF65-F5344CB8AC3E}">
+        <p14:creationId xmlns:p14="http://schemas.microsoft.com/office/powerpoint/2010/main" val="3796929936"/>
+      </p:ext>
+    </p:extLst>
+  </p:cSld>
+  <p:clrMap bg1="lt1" tx1="dk1" bg2="lt2" tx2="dk2" accent1="accent1" accent2="accent2" accent3="accent3" accent4="accent4" accent5="accent5" accent6="accent6" hlink="hlink" folHlink="folHlink"/>
+  <p:notesStyle>
+    <a:lvl1pPr marL="0" algn="l" defTabSz="914400" rtl="0" eaLnBrk="1" latinLnBrk="0" hangingPunct="1">
+      <a:defRPr sz="1200" kern="1200">
+        <a:solidFill>
+          <a:schemeClr val="tx1"/>
+        </a:solidFill>
+        <a:latin typeface="+mn-lt"/>
+        <a:ea typeface="+mn-ea"/>
+        <a:cs typeface="+mn-cs"/>
+      </a:defRPr>
+    </a:lvl1pPr>
+    <a:lvl2pPr marL="457200" algn="l" defTabSz="914400" rtl="0" eaLnBrk="1" latinLnBrk="0" hangingPunct="1">
+      <a:defRPr sz="1200" kern="1200">
+        <a:solidFill>
+          <a:schemeClr val="tx1"/>
+        </a:solidFill>
+        <a:latin typeface="+mn-lt"/>
+        <a:ea typeface="+mn-ea"/>
+        <a:cs typeface="+mn-cs"/>
+      </a:defRPr>
+    </a:lvl2pPr>
+    <a:lvl3pPr marL="914400" algn="l" defTabSz="914400" rtl="0" eaLnBrk="1" latinLnBrk="0" hangingPunct="1">
+      <a:defRPr sz="1200" kern="1200">
+        <a:solidFill>
+          <a:schemeClr val="tx1"/>
+        </a:solidFill>
+        <a:latin typeface="+mn-lt"/>
+        <a:ea typeface="+mn-ea"/>
+        <a:cs typeface="+mn-cs"/>
+      </a:defRPr>
+    </a:lvl3pPr>
+    <a:lvl4pPr marL="1371600" algn="l" defTabSz="914400" rtl="0" eaLnBrk="1" latinLnBrk="0" hangingPunct="1">
+      <a:defRPr sz="1200" kern="1200">
+        <a:solidFill>
+          <a:schemeClr val="tx1"/>
+        </a:solidFill>
+        <a:latin typeface="+mn-lt"/>
+        <a:ea typeface="+mn-ea"/>
+        <a:cs typeface="+mn-cs"/>
+      </a:defRPr>
+    </a:lvl4pPr>
+    <a:lvl5pPr marL="1828800" algn="l" defTabSz="914400" rtl="0" eaLnBrk="1" latinLnBrk="0" hangingPunct="1">
+      <a:defRPr sz="1200" kern="1200">
+        <a:solidFill>
+          <a:schemeClr val="tx1"/>
+        </a:solidFill>
+        <a:latin typeface="+mn-lt"/>
+        <a:ea typeface="+mn-ea"/>
+        <a:cs typeface="+mn-cs"/>
+      </a:defRPr>
+    </a:lvl5pPr>
+    <a:lvl6pPr marL="2286000" algn="l" defTabSz="914400" rtl="0" eaLnBrk="1" latinLnBrk="0" hangingPunct="1">
+      <a:defRPr sz="1200" kern="1200">
+        <a:solidFill>
+          <a:schemeClr val="tx1"/>
+        </a:solidFill>
+        <a:latin typeface="+mn-lt"/>
+        <a:ea typeface="+mn-ea"/>
+        <a:cs typeface="+mn-cs"/>
+      </a:defRPr>
+    </a:lvl6pPr>
+    <a:lvl7pPr marL="2743200" algn="l" defTabSz="914400" rtl="0" eaLnBrk="1" latinLnBrk="0" hangingPunct="1">
+      <a:defRPr sz="1200" kern="1200">
+        <a:solidFill>
+          <a:schemeClr val="tx1"/>
+        </a:solidFill>
+        <a:latin typeface="+mn-lt"/>
+        <a:ea typeface="+mn-ea"/>
+        <a:cs typeface="+mn-cs"/>
+      </a:defRPr>
+    </a:lvl7pPr>
+    <a:lvl8pPr marL="3200400" algn="l" defTabSz="914400" rtl="0" eaLnBrk="1" latinLnBrk="0" hangingPunct="1">
+      <a:defRPr sz="1200" kern="1200">
+        <a:solidFill>
+          <a:schemeClr val="tx1"/>
+        </a:solidFill>
+        <a:latin typeface="+mn-lt"/>
+        <a:ea typeface="+mn-ea"/>
+        <a:cs typeface="+mn-cs"/>
+      </a:defRPr>
+    </a:lvl8pPr>
+    <a:lvl9pPr marL="3657600" algn="l" defTabSz="914400" rtl="0" eaLnBrk="1" latinLnBrk="0" hangingPunct="1">
+      <a:defRPr sz="1200" kern="1200">
+        <a:solidFill>
+          <a:schemeClr val="tx1"/>
+        </a:solidFill>
+        <a:latin typeface="+mn-lt"/>
+        <a:ea typeface="+mn-ea"/>
+        <a:cs typeface="+mn-cs"/>
+      </a:defRPr>
+    </a:lvl9pPr>
+  </p:notesStyle>
+</p:notesMaster>
+</file>
+
+<file path=ppt/notesSlides/notesSlide1.xml><?xml version="1.0" encoding="utf-8"?>
+<p:notes xmlns:a="http://schemas.openxmlformats.org/drawingml/2006/main" xmlns:r="http://schemas.openxmlformats.org/officeDocument/2006/relationships" xmlns:p="http://schemas.openxmlformats.org/presentationml/2006/main">
+  <p:cSld>
+    <p:spTree>
+      <p:nvGrpSpPr>
+        <p:cNvPr id="1" name=""/>
+        <p:cNvGrpSpPr/>
+        <p:nvPr/>
+      </p:nvGrpSpPr>
+      <p:grpSpPr>
+        <a:xfrm>
+          <a:off x="0" y="0"/>
+          <a:ext cx="0" cy="0"/>
+          <a:chOff x="0" y="0"/>
+          <a:chExt cx="0" cy="0"/>
+        </a:xfrm>
+      </p:grpSpPr>
+      <p:sp>
+        <p:nvSpPr>
+          <p:cNvPr id="2" name="Slide Image Placeholder 1"/>
+          <p:cNvSpPr>
+            <a:spLocks noGrp="1" noRot="1" noChangeAspect="1"/>
+          </p:cNvSpPr>
+          <p:nvPr>
+            <p:ph type="sldImg"/>
+          </p:nvPr>
+        </p:nvSpPr>
+        <p:spPr/>
+      </p:sp>
+      <p:sp>
+        <p:nvSpPr>
+          <p:cNvPr id="3" name="Notes Placeholder 2"/>
+          <p:cNvSpPr>
+            <a:spLocks noGrp="1"/>
+          </p:cNvSpPr>
+          <p:nvPr>
+            <p:ph type="body" idx="1"/>
+          </p:nvPr>
+        </p:nvSpPr>
+        <p:spPr/>
+        <p:txBody>
+          <a:bodyPr/>
+          <a:lstStyle/>
+          <a:p>
+            <a:endParaRPr lang="en-US" dirty="0"/>
+          </a:p>
+        </p:txBody>
+      </p:sp>
+      <p:sp>
+        <p:nvSpPr>
+          <p:cNvPr id="4" name="Slide Number Placeholder 3"/>
+          <p:cNvSpPr>
+            <a:spLocks noGrp="1"/>
+          </p:cNvSpPr>
+          <p:nvPr>
+            <p:ph type="sldNum" sz="quarter" idx="10"/>
+          </p:nvPr>
+        </p:nvSpPr>
+        <p:spPr/>
+        <p:txBody>
+          <a:bodyPr/>
+          <a:lstStyle/>
+          <a:p>
+            <a:fld id="{316FB992-954A-F647-8EEE-FA5AA037B2B4}" type="slidenum">
+              <a:rPr lang="en-US" smtClean="0"/>
+              <a:t>1</a:t>
+            </a:fld>
+            <a:endParaRPr lang="en-US"/>
+          </a:p>
+        </p:txBody>
+      </p:sp>
+    </p:spTree>
+    <p:extLst>
+      <p:ext uri="{BB962C8B-B14F-4D97-AF65-F5344CB8AC3E}">
+        <p14:creationId xmlns:p14="http://schemas.microsoft.com/office/powerpoint/2010/main" val="711007228"/>
+      </p:ext>
+    </p:extLst>
+  </p:cSld>
+  <p:clrMapOvr>
+    <a:masterClrMapping/>
+  </p:clrMapOvr>
+</p:notes>
 </file>
 
 <file path=ppt/slideLayouts/slideLayout1.xml><?xml version="1.0" encoding="utf-8"?>
@@ -3323,40 +3764,10 @@
       </p:grpSpPr>
       <p:pic>
         <p:nvPicPr>
-          <p:cNvPr id="44" name="Picture 43">
-            <a:extLst>
-              <a:ext uri="{FF2B5EF4-FFF2-40B4-BE49-F238E27FC236}">
-                <a16:creationId xmlns:a16="http://schemas.microsoft.com/office/drawing/2014/main" id="{CBCD4755-3751-5B45-B49E-A3FB1263B292}"/>
-              </a:ext>
-            </a:extLst>
-          </p:cNvPr>
-          <p:cNvPicPr>
-            <a:picLocks noChangeAspect="1"/>
-          </p:cNvPicPr>
-          <p:nvPr/>
-        </p:nvPicPr>
-        <p:blipFill>
-          <a:blip r:embed="rId2"/>
-          <a:stretch>
-            <a:fillRect/>
-          </a:stretch>
-        </p:blipFill>
-        <p:spPr>
-          <a:xfrm>
-            <a:off x="598713" y="-21772"/>
-            <a:ext cx="10661904" cy="6663690"/>
-          </a:xfrm>
-          <a:prstGeom prst="rect">
-            <a:avLst/>
-          </a:prstGeom>
-        </p:spPr>
-      </p:pic>
-      <p:pic>
-        <p:nvPicPr>
-          <p:cNvPr id="30" name="Picture 29">
-            <a:extLst>
-              <a:ext uri="{FF2B5EF4-FFF2-40B4-BE49-F238E27FC236}">
-                <a16:creationId xmlns:a16="http://schemas.microsoft.com/office/drawing/2014/main" id="{6F7AA93F-60AC-D54C-B52F-DEE58AF34C49}"/>
+          <p:cNvPr id="59" name="Picture 58">
+            <a:extLst>
+              <a:ext uri="{FF2B5EF4-FFF2-40B4-BE49-F238E27FC236}">
+                <a16:creationId xmlns:a16="http://schemas.microsoft.com/office/drawing/2014/main" id="{6021BC6B-3EAE-774A-854E-1FE62C147DE9}"/>
               </a:ext>
             </a:extLst>
           </p:cNvPr>
@@ -3373,8 +3784,8 @@
         </p:blipFill>
         <p:spPr>
           <a:xfrm>
-            <a:off x="1454150" y="909864"/>
-            <a:ext cx="1645920" cy="1645920"/>
+            <a:off x="568960" y="-8128"/>
+            <a:ext cx="10665562" cy="6665976"/>
           </a:xfrm>
           <a:prstGeom prst="rect">
             <a:avLst/>
@@ -3383,10 +3794,10 @@
       </p:pic>
       <p:pic>
         <p:nvPicPr>
-          <p:cNvPr id="32" name="Picture 31">
-            <a:extLst>
-              <a:ext uri="{FF2B5EF4-FFF2-40B4-BE49-F238E27FC236}">
-                <a16:creationId xmlns:a16="http://schemas.microsoft.com/office/drawing/2014/main" id="{805A2238-D597-BE48-BB50-4F0F1ADE9577}"/>
+          <p:cNvPr id="29" name="Picture 28">
+            <a:extLst>
+              <a:ext uri="{FF2B5EF4-FFF2-40B4-BE49-F238E27FC236}">
+                <a16:creationId xmlns:a16="http://schemas.microsoft.com/office/drawing/2014/main" id="{ACE406E0-D434-5848-B0EC-D62D736F65EF}"/>
               </a:ext>
             </a:extLst>
           </p:cNvPr>
@@ -3403,8 +3814,8 @@
         </p:blipFill>
         <p:spPr>
           <a:xfrm>
-            <a:off x="2928257" y="1133929"/>
-            <a:ext cx="1655776" cy="1645920"/>
+            <a:off x="1365035" y="864870"/>
+            <a:ext cx="1645920" cy="1645920"/>
           </a:xfrm>
           <a:prstGeom prst="rect">
             <a:avLst/>
@@ -3413,10 +3824,10 @@
       </p:pic>
       <p:pic>
         <p:nvPicPr>
-          <p:cNvPr id="34" name="Picture 33">
-            <a:extLst>
-              <a:ext uri="{FF2B5EF4-FFF2-40B4-BE49-F238E27FC236}">
-                <a16:creationId xmlns:a16="http://schemas.microsoft.com/office/drawing/2014/main" id="{91CE0B21-D72A-8C47-8B5F-3F096CF09455}"/>
+          <p:cNvPr id="33" name="Picture 32">
+            <a:extLst>
+              <a:ext uri="{FF2B5EF4-FFF2-40B4-BE49-F238E27FC236}">
+                <a16:creationId xmlns:a16="http://schemas.microsoft.com/office/drawing/2014/main" id="{6E129402-4ABF-994D-9D11-77B6F8EECBC9}"/>
               </a:ext>
             </a:extLst>
           </p:cNvPr>
@@ -3433,8 +3844,8 @@
         </p:blipFill>
         <p:spPr>
           <a:xfrm>
-            <a:off x="4409333" y="1599295"/>
-            <a:ext cx="1640947" cy="1645920"/>
+            <a:off x="2875280" y="1176020"/>
+            <a:ext cx="1655776" cy="1645920"/>
           </a:xfrm>
           <a:prstGeom prst="rect">
             <a:avLst/>
@@ -3443,10 +3854,10 @@
       </p:pic>
       <p:pic>
         <p:nvPicPr>
-          <p:cNvPr id="36" name="Picture 35">
-            <a:extLst>
-              <a:ext uri="{FF2B5EF4-FFF2-40B4-BE49-F238E27FC236}">
-                <a16:creationId xmlns:a16="http://schemas.microsoft.com/office/drawing/2014/main" id="{69E39E56-0ECA-854F-B598-4F8339184B55}"/>
+          <p:cNvPr id="37" name="Picture 36">
+            <a:extLst>
+              <a:ext uri="{FF2B5EF4-FFF2-40B4-BE49-F238E27FC236}">
+                <a16:creationId xmlns:a16="http://schemas.microsoft.com/office/drawing/2014/main" id="{F9D83436-68BD-0746-A931-9C244B1E6640}"/>
               </a:ext>
             </a:extLst>
           </p:cNvPr>
@@ -3463,8 +3874,8 @@
         </p:blipFill>
         <p:spPr>
           <a:xfrm>
-            <a:off x="6093279" y="2022205"/>
-            <a:ext cx="1645920" cy="1645920"/>
+            <a:off x="4400354" y="1723390"/>
+            <a:ext cx="1640947" cy="1645920"/>
           </a:xfrm>
           <a:prstGeom prst="rect">
             <a:avLst/>
@@ -3473,10 +3884,10 @@
       </p:pic>
       <p:pic>
         <p:nvPicPr>
-          <p:cNvPr id="40" name="Picture 39">
-            <a:extLst>
-              <a:ext uri="{FF2B5EF4-FFF2-40B4-BE49-F238E27FC236}">
-                <a16:creationId xmlns:a16="http://schemas.microsoft.com/office/drawing/2014/main" id="{DB3B260B-C19B-484C-80A6-BC5F6F8AAAC5}"/>
+          <p:cNvPr id="46" name="Picture 45">
+            <a:extLst>
+              <a:ext uri="{FF2B5EF4-FFF2-40B4-BE49-F238E27FC236}">
+                <a16:creationId xmlns:a16="http://schemas.microsoft.com/office/drawing/2014/main" id="{7B810EA2-A243-F84E-A7C5-94FB93665AB0}"/>
               </a:ext>
             </a:extLst>
           </p:cNvPr>
@@ -3493,7 +3904,7 @@
         </p:blipFill>
         <p:spPr>
           <a:xfrm>
-            <a:off x="9066894" y="3118122"/>
+            <a:off x="9086476" y="3243580"/>
             <a:ext cx="1640359" cy="1645920"/>
           </a:xfrm>
           <a:prstGeom prst="rect">
@@ -3503,10 +3914,10 @@
       </p:pic>
       <p:pic>
         <p:nvPicPr>
-          <p:cNvPr id="38" name="Picture 37">
-            <a:extLst>
-              <a:ext uri="{FF2B5EF4-FFF2-40B4-BE49-F238E27FC236}">
-                <a16:creationId xmlns:a16="http://schemas.microsoft.com/office/drawing/2014/main" id="{96EDBE60-025D-6E40-BA44-7CCC2317468C}"/>
+          <p:cNvPr id="41" name="Picture 40">
+            <a:extLst>
+              <a:ext uri="{FF2B5EF4-FFF2-40B4-BE49-F238E27FC236}">
+                <a16:creationId xmlns:a16="http://schemas.microsoft.com/office/drawing/2014/main" id="{EA78CF9A-EAF3-BC47-84FA-FA220A65D97A}"/>
               </a:ext>
             </a:extLst>
           </p:cNvPr>
@@ -3523,7 +3934,37 @@
         </p:blipFill>
         <p:spPr>
           <a:xfrm>
-            <a:off x="7739199" y="2555784"/>
+            <a:off x="5920455" y="2280920"/>
+            <a:ext cx="1645920" cy="1645920"/>
+          </a:xfrm>
+          <a:prstGeom prst="rect">
+            <a:avLst/>
+          </a:prstGeom>
+        </p:spPr>
+      </p:pic>
+      <p:pic>
+        <p:nvPicPr>
+          <p:cNvPr id="43" name="Picture 42">
+            <a:extLst>
+              <a:ext uri="{FF2B5EF4-FFF2-40B4-BE49-F238E27FC236}">
+                <a16:creationId xmlns:a16="http://schemas.microsoft.com/office/drawing/2014/main" id="{0D177E05-3988-9242-8F35-128082482A23}"/>
+              </a:ext>
+            </a:extLst>
+          </p:cNvPr>
+          <p:cNvPicPr>
+            <a:picLocks noChangeAspect="1"/>
+          </p:cNvPicPr>
+          <p:nvPr/>
+        </p:nvPicPr>
+        <p:blipFill>
+          <a:blip r:embed="rId9"/>
+          <a:stretch>
+            <a:fillRect/>
+          </a:stretch>
+        </p:blipFill>
+        <p:spPr>
+          <a:xfrm>
+            <a:off x="7684770" y="2735580"/>
             <a:ext cx="1651334" cy="1645920"/>
           </a:xfrm>
           <a:prstGeom prst="rect">
@@ -3837,4 +4278,299 @@
     </a:ext>
   </a:extLst>
 </a:theme>
+</file>
+
+<file path=ppt/theme/theme2.xml><?xml version="1.0" encoding="utf-8"?>
+<a:theme xmlns:a="http://schemas.openxmlformats.org/drawingml/2006/main" name="Office Theme">
+  <a:themeElements>
+    <a:clrScheme name="Office">
+      <a:dk1>
+        <a:sysClr val="windowText" lastClr="000000"/>
+      </a:dk1>
+      <a:lt1>
+        <a:sysClr val="window" lastClr="FFFFFF"/>
+      </a:lt1>
+      <a:dk2>
+        <a:srgbClr val="44546A"/>
+      </a:dk2>
+      <a:lt2>
+        <a:srgbClr val="E7E6E6"/>
+      </a:lt2>
+      <a:accent1>
+        <a:srgbClr val="4472C4"/>
+      </a:accent1>
+      <a:accent2>
+        <a:srgbClr val="ED7D31"/>
+      </a:accent2>
+      <a:accent3>
+        <a:srgbClr val="A5A5A5"/>
+      </a:accent3>
+      <a:accent4>
+        <a:srgbClr val="FFC000"/>
+      </a:accent4>
+      <a:accent5>
+        <a:srgbClr val="5B9BD5"/>
+      </a:accent5>
+      <a:accent6>
+        <a:srgbClr val="70AD47"/>
+      </a:accent6>
+      <a:hlink>
+        <a:srgbClr val="0563C1"/>
+      </a:hlink>
+      <a:folHlink>
+        <a:srgbClr val="954F72"/>
+      </a:folHlink>
+    </a:clrScheme>
+    <a:fontScheme name="Office">
+      <a:majorFont>
+        <a:latin typeface="Calibri Light" panose="020F0302020204030204"/>
+        <a:ea typeface=""/>
+        <a:cs typeface=""/>
+        <a:font script="Jpan" typeface="游ゴシック Light"/>
+        <a:font script="Hang" typeface="맑은 고딕"/>
+        <a:font script="Hans" typeface="等线 Light"/>
+        <a:font script="Hant" typeface="新細明體"/>
+        <a:font script="Arab" typeface="Times New Roman"/>
+        <a:font script="Hebr" typeface="Times New Roman"/>
+        <a:font script="Thai" typeface="Angsana New"/>
+        <a:font script="Ethi" typeface="Nyala"/>
+        <a:font script="Beng" typeface="Vrinda"/>
+        <a:font script="Gujr" typeface="Shruti"/>
+        <a:font script="Khmr" typeface="MoolBoran"/>
+        <a:font script="Knda" typeface="Tunga"/>
+        <a:font script="Guru" typeface="Raavi"/>
+        <a:font script="Cans" typeface="Euphemia"/>
+        <a:font script="Cher" typeface="Plantagenet Cherokee"/>
+        <a:font script="Yiii" typeface="Microsoft Yi Baiti"/>
+        <a:font script="Tibt" typeface="Microsoft Himalaya"/>
+        <a:font script="Thaa" typeface="MV Boli"/>
+        <a:font script="Deva" typeface="Mangal"/>
+        <a:font script="Telu" typeface="Gautami"/>
+        <a:font script="Taml" typeface="Latha"/>
+        <a:font script="Syrc" typeface="Estrangelo Edessa"/>
+        <a:font script="Orya" typeface="Kalinga"/>
+        <a:font script="Mlym" typeface="Kartika"/>
+        <a:font script="Laoo" typeface="DokChampa"/>
+        <a:font script="Sinh" typeface="Iskoola Pota"/>
+        <a:font script="Mong" typeface="Mongolian Baiti"/>
+        <a:font script="Viet" typeface="Times New Roman"/>
+        <a:font script="Uigh" typeface="Microsoft Uighur"/>
+        <a:font script="Geor" typeface="Sylfaen"/>
+        <a:font script="Armn" typeface="Arial"/>
+        <a:font script="Bugi" typeface="Leelawadee UI"/>
+        <a:font script="Bopo" typeface="Microsoft JhengHei"/>
+        <a:font script="Java" typeface="Javanese Text"/>
+        <a:font script="Lisu" typeface="Segoe UI"/>
+        <a:font script="Mymr" typeface="Myanmar Text"/>
+        <a:font script="Nkoo" typeface="Ebrima"/>
+        <a:font script="Olck" typeface="Nirmala UI"/>
+        <a:font script="Osma" typeface="Ebrima"/>
+        <a:font script="Phag" typeface="Phagspa"/>
+        <a:font script="Syrn" typeface="Estrangelo Edessa"/>
+        <a:font script="Syrj" typeface="Estrangelo Edessa"/>
+        <a:font script="Syre" typeface="Estrangelo Edessa"/>
+        <a:font script="Sora" typeface="Nirmala UI"/>
+        <a:font script="Tale" typeface="Microsoft Tai Le"/>
+        <a:font script="Talu" typeface="Microsoft New Tai Lue"/>
+        <a:font script="Tfng" typeface="Ebrima"/>
+      </a:majorFont>
+      <a:minorFont>
+        <a:latin typeface="Calibri" panose="020F0502020204030204"/>
+        <a:ea typeface=""/>
+        <a:cs typeface=""/>
+        <a:font script="Jpan" typeface="游ゴシック"/>
+        <a:font script="Hang" typeface="맑은 고딕"/>
+        <a:font script="Hans" typeface="等线"/>
+        <a:font script="Hant" typeface="新細明體"/>
+        <a:font script="Arab" typeface="Arial"/>
+        <a:font script="Hebr" typeface="Arial"/>
+        <a:font script="Thai" typeface="Cordia New"/>
+        <a:font script="Ethi" typeface="Nyala"/>
+        <a:font script="Beng" typeface="Vrinda"/>
+        <a:font script="Gujr" typeface="Shruti"/>
+        <a:font script="Khmr" typeface="DaunPenh"/>
+        <a:font script="Knda" typeface="Tunga"/>
+        <a:font script="Guru" typeface="Raavi"/>
+        <a:font script="Cans" typeface="Euphemia"/>
+        <a:font script="Cher" typeface="Plantagenet Cherokee"/>
+        <a:font script="Yiii" typeface="Microsoft Yi Baiti"/>
+        <a:font script="Tibt" typeface="Microsoft Himalaya"/>
+        <a:font script="Thaa" typeface="MV Boli"/>
+        <a:font script="Deva" typeface="Mangal"/>
+        <a:font script="Telu" typeface="Gautami"/>
+        <a:font script="Taml" typeface="Latha"/>
+        <a:font script="Syrc" typeface="Estrangelo Edessa"/>
+        <a:font script="Orya" typeface="Kalinga"/>
+        <a:font script="Mlym" typeface="Kartika"/>
+        <a:font script="Laoo" typeface="DokChampa"/>
+        <a:font script="Sinh" typeface="Iskoola Pota"/>
+        <a:font script="Mong" typeface="Mongolian Baiti"/>
+        <a:font script="Viet" typeface="Arial"/>
+        <a:font script="Uigh" typeface="Microsoft Uighur"/>
+        <a:font script="Geor" typeface="Sylfaen"/>
+        <a:font script="Armn" typeface="Arial"/>
+        <a:font script="Bugi" typeface="Leelawadee UI"/>
+        <a:font script="Bopo" typeface="Microsoft JhengHei"/>
+        <a:font script="Java" typeface="Javanese Text"/>
+        <a:font script="Lisu" typeface="Segoe UI"/>
+        <a:font script="Mymr" typeface="Myanmar Text"/>
+        <a:font script="Nkoo" typeface="Ebrima"/>
+        <a:font script="Olck" typeface="Nirmala UI"/>
+        <a:font script="Osma" typeface="Ebrima"/>
+        <a:font script="Phag" typeface="Phagspa"/>
+        <a:font script="Syrn" typeface="Estrangelo Edessa"/>
+        <a:font script="Syrj" typeface="Estrangelo Edessa"/>
+        <a:font script="Syre" typeface="Estrangelo Edessa"/>
+        <a:font script="Sora" typeface="Nirmala UI"/>
+        <a:font script="Tale" typeface="Microsoft Tai Le"/>
+        <a:font script="Talu" typeface="Microsoft New Tai Lue"/>
+        <a:font script="Tfng" typeface="Ebrima"/>
+      </a:minorFont>
+    </a:fontScheme>
+    <a:fmtScheme name="Office">
+      <a:fillStyleLst>
+        <a:solidFill>
+          <a:schemeClr val="phClr"/>
+        </a:solidFill>
+        <a:gradFill rotWithShape="1">
+          <a:gsLst>
+            <a:gs pos="0">
+              <a:schemeClr val="phClr">
+                <a:lumMod val="110000"/>
+                <a:satMod val="105000"/>
+                <a:tint val="67000"/>
+              </a:schemeClr>
+            </a:gs>
+            <a:gs pos="50000">
+              <a:schemeClr val="phClr">
+                <a:lumMod val="105000"/>
+                <a:satMod val="103000"/>
+                <a:tint val="73000"/>
+              </a:schemeClr>
+            </a:gs>
+            <a:gs pos="100000">
+              <a:schemeClr val="phClr">
+                <a:lumMod val="105000"/>
+                <a:satMod val="109000"/>
+                <a:tint val="81000"/>
+              </a:schemeClr>
+            </a:gs>
+          </a:gsLst>
+          <a:lin ang="5400000" scaled="0"/>
+        </a:gradFill>
+        <a:gradFill rotWithShape="1">
+          <a:gsLst>
+            <a:gs pos="0">
+              <a:schemeClr val="phClr">
+                <a:satMod val="103000"/>
+                <a:lumMod val="102000"/>
+                <a:tint val="94000"/>
+              </a:schemeClr>
+            </a:gs>
+            <a:gs pos="50000">
+              <a:schemeClr val="phClr">
+                <a:satMod val="110000"/>
+                <a:lumMod val="100000"/>
+                <a:shade val="100000"/>
+              </a:schemeClr>
+            </a:gs>
+            <a:gs pos="100000">
+              <a:schemeClr val="phClr">
+                <a:lumMod val="99000"/>
+                <a:satMod val="120000"/>
+                <a:shade val="78000"/>
+              </a:schemeClr>
+            </a:gs>
+          </a:gsLst>
+          <a:lin ang="5400000" scaled="0"/>
+        </a:gradFill>
+      </a:fillStyleLst>
+      <a:lnStyleLst>
+        <a:ln w="6350" cap="flat" cmpd="sng" algn="ctr">
+          <a:solidFill>
+            <a:schemeClr val="phClr"/>
+          </a:solidFill>
+          <a:prstDash val="solid"/>
+          <a:miter lim="800000"/>
+        </a:ln>
+        <a:ln w="12700" cap="flat" cmpd="sng" algn="ctr">
+          <a:solidFill>
+            <a:schemeClr val="phClr"/>
+          </a:solidFill>
+          <a:prstDash val="solid"/>
+          <a:miter lim="800000"/>
+        </a:ln>
+        <a:ln w="19050" cap="flat" cmpd="sng" algn="ctr">
+          <a:solidFill>
+            <a:schemeClr val="phClr"/>
+          </a:solidFill>
+          <a:prstDash val="solid"/>
+          <a:miter lim="800000"/>
+        </a:ln>
+      </a:lnStyleLst>
+      <a:effectStyleLst>
+        <a:effectStyle>
+          <a:effectLst/>
+        </a:effectStyle>
+        <a:effectStyle>
+          <a:effectLst/>
+        </a:effectStyle>
+        <a:effectStyle>
+          <a:effectLst>
+            <a:outerShdw blurRad="57150" dist="19050" dir="5400000" algn="ctr" rotWithShape="0">
+              <a:srgbClr val="000000">
+                <a:alpha val="63000"/>
+              </a:srgbClr>
+            </a:outerShdw>
+          </a:effectLst>
+        </a:effectStyle>
+      </a:effectStyleLst>
+      <a:bgFillStyleLst>
+        <a:solidFill>
+          <a:schemeClr val="phClr"/>
+        </a:solidFill>
+        <a:solidFill>
+          <a:schemeClr val="phClr">
+            <a:tint val="95000"/>
+            <a:satMod val="170000"/>
+          </a:schemeClr>
+        </a:solidFill>
+        <a:gradFill rotWithShape="1">
+          <a:gsLst>
+            <a:gs pos="0">
+              <a:schemeClr val="phClr">
+                <a:tint val="93000"/>
+                <a:satMod val="150000"/>
+                <a:shade val="98000"/>
+                <a:lumMod val="102000"/>
+              </a:schemeClr>
+            </a:gs>
+            <a:gs pos="50000">
+              <a:schemeClr val="phClr">
+                <a:tint val="98000"/>
+                <a:satMod val="130000"/>
+                <a:shade val="90000"/>
+                <a:lumMod val="103000"/>
+              </a:schemeClr>
+            </a:gs>
+            <a:gs pos="100000">
+              <a:schemeClr val="phClr">
+                <a:shade val="63000"/>
+                <a:satMod val="120000"/>
+              </a:schemeClr>
+            </a:gs>
+          </a:gsLst>
+          <a:lin ang="5400000" scaled="0"/>
+        </a:gradFill>
+      </a:bgFillStyleLst>
+    </a:fmtScheme>
+  </a:themeElements>
+  <a:objectDefaults/>
+  <a:extraClrSchemeLst/>
+  <a:extLst>
+    <a:ext uri="{05A4C25C-085E-4340-85A3-A5531E510DB2}">
+      <thm15:themeFamily xmlns:thm15="http://schemas.microsoft.com/office/thememl/2012/main" name="Office Theme" id="{62F939B6-93AF-4DB8-9C6B-D6C7DFDC589F}" vid="{4A3C46E8-61CC-4603-A589-7422A47A8E4A}"/>
+    </a:ext>
+  </a:extLst>
+</a:theme>
 </file>
--- a/code/simulations/sim1Viz_nets.pptx
+++ b/code/simulations/sim1Viz_nets.pptx
@@ -3764,10 +3764,10 @@
       </p:grpSpPr>
       <p:pic>
         <p:nvPicPr>
-          <p:cNvPr id="59" name="Picture 58">
-            <a:extLst>
-              <a:ext uri="{FF2B5EF4-FFF2-40B4-BE49-F238E27FC236}">
-                <a16:creationId xmlns:a16="http://schemas.microsoft.com/office/drawing/2014/main" id="{6021BC6B-3EAE-774A-854E-1FE62C147DE9}"/>
+          <p:cNvPr id="4" name="Picture 3">
+            <a:extLst>
+              <a:ext uri="{FF2B5EF4-FFF2-40B4-BE49-F238E27FC236}">
+                <a16:creationId xmlns:a16="http://schemas.microsoft.com/office/drawing/2014/main" id="{34F4AF73-EADB-C948-A2A3-766D6DCCA4A3}"/>
               </a:ext>
             </a:extLst>
           </p:cNvPr>
@@ -3784,7 +3784,7 @@
         </p:blipFill>
         <p:spPr>
           <a:xfrm>
-            <a:off x="568960" y="-8128"/>
+            <a:off x="560832" y="30226"/>
             <a:ext cx="10665562" cy="6665976"/>
           </a:xfrm>
           <a:prstGeom prst="rect">
@@ -3814,7 +3814,7 @@
         </p:blipFill>
         <p:spPr>
           <a:xfrm>
-            <a:off x="1365035" y="864870"/>
+            <a:off x="1244189" y="900430"/>
             <a:ext cx="1645920" cy="1645920"/>
           </a:xfrm>
           <a:prstGeom prst="rect">
@@ -3844,7 +3844,7 @@
         </p:blipFill>
         <p:spPr>
           <a:xfrm>
-            <a:off x="2875280" y="1176020"/>
+            <a:off x="2744578" y="1226820"/>
             <a:ext cx="1655776" cy="1645920"/>
           </a:xfrm>
           <a:prstGeom prst="rect">
@@ -3874,7 +3874,7 @@
         </p:blipFill>
         <p:spPr>
           <a:xfrm>
-            <a:off x="4400354" y="1723390"/>
+            <a:off x="4329186" y="1753870"/>
             <a:ext cx="1640947" cy="1645920"/>
           </a:xfrm>
           <a:prstGeom prst="rect">
@@ -3904,7 +3904,7 @@
         </p:blipFill>
         <p:spPr>
           <a:xfrm>
-            <a:off x="9086476" y="3243580"/>
+            <a:off x="9086476" y="3223260"/>
             <a:ext cx="1640359" cy="1645920"/>
           </a:xfrm>
           <a:prstGeom prst="rect">
@@ -3934,7 +3934,7 @@
         </p:blipFill>
         <p:spPr>
           <a:xfrm>
-            <a:off x="5920455" y="2280920"/>
+            <a:off x="5920455" y="2301240"/>
             <a:ext cx="1645920" cy="1645920"/>
           </a:xfrm>
           <a:prstGeom prst="rect">
@@ -3964,7 +3964,7 @@
         </p:blipFill>
         <p:spPr>
           <a:xfrm>
-            <a:off x="7684770" y="2735580"/>
+            <a:off x="7561402" y="2757170"/>
             <a:ext cx="1651334" cy="1645920"/>
           </a:xfrm>
           <a:prstGeom prst="rect">

--- a/code/simulations/sim1Viz_nets.pptx
+++ b/code/simulations/sim1Viz_nets.pptx
@@ -197,7 +197,7 @@
           <a:p>
             <a:fld id="{3C638439-FCC3-3146-BD6A-2AE5FF3FFFC5}" type="datetimeFigureOut">
               <a:rPr lang="en-US" smtClean="0"/>
-              <a:t>6/20/18</a:t>
+              <a:t>6/22/18</a:t>
             </a:fld>
             <a:endParaRPr lang="en-US"/>
           </a:p>
@@ -695,7 +695,7 @@
           <a:p>
             <a:fld id="{8910E5FA-9AB9-9945-A36A-5584EE326017}" type="datetimeFigureOut">
               <a:rPr lang="en-US" smtClean="0"/>
-              <a:t>6/20/18</a:t>
+              <a:t>6/22/18</a:t>
             </a:fld>
             <a:endParaRPr lang="en-US"/>
           </a:p>
@@ -893,7 +893,7 @@
           <a:p>
             <a:fld id="{8910E5FA-9AB9-9945-A36A-5584EE326017}" type="datetimeFigureOut">
               <a:rPr lang="en-US" smtClean="0"/>
-              <a:t>6/20/18</a:t>
+              <a:t>6/22/18</a:t>
             </a:fld>
             <a:endParaRPr lang="en-US"/>
           </a:p>
@@ -1101,7 +1101,7 @@
           <a:p>
             <a:fld id="{8910E5FA-9AB9-9945-A36A-5584EE326017}" type="datetimeFigureOut">
               <a:rPr lang="en-US" smtClean="0"/>
-              <a:t>6/20/18</a:t>
+              <a:t>6/22/18</a:t>
             </a:fld>
             <a:endParaRPr lang="en-US"/>
           </a:p>
@@ -1299,7 +1299,7 @@
           <a:p>
             <a:fld id="{8910E5FA-9AB9-9945-A36A-5584EE326017}" type="datetimeFigureOut">
               <a:rPr lang="en-US" smtClean="0"/>
-              <a:t>6/20/18</a:t>
+              <a:t>6/22/18</a:t>
             </a:fld>
             <a:endParaRPr lang="en-US"/>
           </a:p>
@@ -1574,7 +1574,7 @@
           <a:p>
             <a:fld id="{8910E5FA-9AB9-9945-A36A-5584EE326017}" type="datetimeFigureOut">
               <a:rPr lang="en-US" smtClean="0"/>
-              <a:t>6/20/18</a:t>
+              <a:t>6/22/18</a:t>
             </a:fld>
             <a:endParaRPr lang="en-US"/>
           </a:p>
@@ -1839,7 +1839,7 @@
           <a:p>
             <a:fld id="{8910E5FA-9AB9-9945-A36A-5584EE326017}" type="datetimeFigureOut">
               <a:rPr lang="en-US" smtClean="0"/>
-              <a:t>6/20/18</a:t>
+              <a:t>6/22/18</a:t>
             </a:fld>
             <a:endParaRPr lang="en-US"/>
           </a:p>
@@ -2251,7 +2251,7 @@
           <a:p>
             <a:fld id="{8910E5FA-9AB9-9945-A36A-5584EE326017}" type="datetimeFigureOut">
               <a:rPr lang="en-US" smtClean="0"/>
-              <a:t>6/20/18</a:t>
+              <a:t>6/22/18</a:t>
             </a:fld>
             <a:endParaRPr lang="en-US"/>
           </a:p>
@@ -2392,7 +2392,7 @@
           <a:p>
             <a:fld id="{8910E5FA-9AB9-9945-A36A-5584EE326017}" type="datetimeFigureOut">
               <a:rPr lang="en-US" smtClean="0"/>
-              <a:t>6/20/18</a:t>
+              <a:t>6/22/18</a:t>
             </a:fld>
             <a:endParaRPr lang="en-US"/>
           </a:p>
@@ -2505,7 +2505,7 @@
           <a:p>
             <a:fld id="{8910E5FA-9AB9-9945-A36A-5584EE326017}" type="datetimeFigureOut">
               <a:rPr lang="en-US" smtClean="0"/>
-              <a:t>6/20/18</a:t>
+              <a:t>6/22/18</a:t>
             </a:fld>
             <a:endParaRPr lang="en-US"/>
           </a:p>
@@ -2816,7 +2816,7 @@
           <a:p>
             <a:fld id="{8910E5FA-9AB9-9945-A36A-5584EE326017}" type="datetimeFigureOut">
               <a:rPr lang="en-US" smtClean="0"/>
-              <a:t>6/20/18</a:t>
+              <a:t>6/22/18</a:t>
             </a:fld>
             <a:endParaRPr lang="en-US"/>
           </a:p>
@@ -3104,7 +3104,7 @@
           <a:p>
             <a:fld id="{8910E5FA-9AB9-9945-A36A-5584EE326017}" type="datetimeFigureOut">
               <a:rPr lang="en-US" smtClean="0"/>
-              <a:t>6/20/18</a:t>
+              <a:t>6/22/18</a:t>
             </a:fld>
             <a:endParaRPr lang="en-US"/>
           </a:p>
@@ -3345,7 +3345,7 @@
           <a:p>
             <a:fld id="{8910E5FA-9AB9-9945-A36A-5584EE326017}" type="datetimeFigureOut">
               <a:rPr lang="en-US" smtClean="0"/>
-              <a:t>6/20/18</a:t>
+              <a:t>6/22/18</a:t>
             </a:fld>
             <a:endParaRPr lang="en-US"/>
           </a:p>
@@ -3764,10 +3764,10 @@
       </p:grpSpPr>
       <p:pic>
         <p:nvPicPr>
-          <p:cNvPr id="4" name="Picture 3">
-            <a:extLst>
-              <a:ext uri="{FF2B5EF4-FFF2-40B4-BE49-F238E27FC236}">
-                <a16:creationId xmlns:a16="http://schemas.microsoft.com/office/drawing/2014/main" id="{34F4AF73-EADB-C948-A2A3-766D6DCCA4A3}"/>
+          <p:cNvPr id="3" name="Picture 2">
+            <a:extLst>
+              <a:ext uri="{FF2B5EF4-FFF2-40B4-BE49-F238E27FC236}">
+                <a16:creationId xmlns:a16="http://schemas.microsoft.com/office/drawing/2014/main" id="{F29789BD-2F56-5A44-AB09-52097BE537D7}"/>
               </a:ext>
             </a:extLst>
           </p:cNvPr>
@@ -3784,7 +3784,7 @@
         </p:blipFill>
         <p:spPr>
           <a:xfrm>
-            <a:off x="560832" y="30226"/>
+            <a:off x="596712" y="32512"/>
             <a:ext cx="10665562" cy="6665976"/>
           </a:xfrm>
           <a:prstGeom prst="rect">
